--- a/Software Testing and Quality Assurance.pptx
+++ b/Software Testing and Quality Assurance.pptx
@@ -18,6 +18,7 @@
     <p:sldId id="266" r:id="rId12"/>
     <p:sldId id="267" r:id="rId13"/>
     <p:sldId id="268" r:id="rId14"/>
+    <p:sldId id="269" r:id="rId15"/>
   </p:sldIdLst>
   <p:sldSz cx="12192000" cy="6858000"/>
   <p:notesSz cx="6858000" cy="9144000"/>
@@ -9012,6 +9013,9 @@
   <p:clrMapOvr>
     <a:masterClrMapping/>
   </p:clrMapOvr>
+  <p:transition spd="med">
+    <p:push dir="u"/>
+  </p:transition>
 </p:sldLayout>
 </file>
 
@@ -9182,6 +9186,9 @@
   <p:clrMapOvr>
     <a:masterClrMapping/>
   </p:clrMapOvr>
+  <p:transition spd="med">
+    <p:push dir="u"/>
+  </p:transition>
 </p:sldLayout>
 </file>
 
@@ -9397,6 +9404,9 @@
   <p:clrMapOvr>
     <a:masterClrMapping/>
   </p:clrMapOvr>
+  <p:transition spd="med">
+    <p:push dir="u"/>
+  </p:transition>
 </p:sldLayout>
 </file>
 
@@ -9567,6 +9577,9 @@
   <p:clrMapOvr>
     <a:masterClrMapping/>
   </p:clrMapOvr>
+  <p:transition spd="med">
+    <p:push dir="u"/>
+  </p:transition>
 </p:sldLayout>
 </file>
 
@@ -18502,6 +18515,9 @@
   <p:clrMapOvr>
     <a:masterClrMapping/>
   </p:clrMapOvr>
+  <p:transition spd="med">
+    <p:push dir="u"/>
+  </p:transition>
 </p:sldLayout>
 </file>
 
@@ -18739,6 +18755,9 @@
   <p:clrMapOvr>
     <a:masterClrMapping/>
   </p:clrMapOvr>
+  <p:transition spd="med">
+    <p:push dir="u"/>
+  </p:transition>
 </p:sldLayout>
 </file>
 
@@ -19137,6 +19156,9 @@
   <p:clrMapOvr>
     <a:masterClrMapping/>
   </p:clrMapOvr>
+  <p:transition spd="med">
+    <p:push dir="u"/>
+  </p:transition>
 </p:sldLayout>
 </file>
 
@@ -19255,6 +19277,9 @@
   <p:clrMapOvr>
     <a:masterClrMapping/>
   </p:clrMapOvr>
+  <p:transition spd="med">
+    <p:push dir="u"/>
+  </p:transition>
 </p:sldLayout>
 </file>
 
@@ -19350,6 +19375,9 @@
   <p:clrMapOvr>
     <a:masterClrMapping/>
   </p:clrMapOvr>
+  <p:transition spd="med">
+    <p:push dir="u"/>
+  </p:transition>
 </p:sldLayout>
 </file>
 
@@ -19640,6 +19668,9 @@
   <p:clrMapOvr>
     <a:masterClrMapping/>
   </p:clrMapOvr>
+  <p:transition spd="med">
+    <p:push dir="u"/>
+  </p:transition>
 </p:sldLayout>
 </file>
 
@@ -19955,6 +19986,9 @@
   <p:clrMapOvr>
     <a:masterClrMapping/>
   </p:clrMapOvr>
+  <p:transition spd="med">
+    <p:push dir="u"/>
+  </p:transition>
 </p:sldLayout>
 </file>
 
@@ -20256,6 +20290,9 @@
     <p:sldLayoutId id="2147483706" r:id="rId10"/>
     <p:sldLayoutId id="2147483707" r:id="rId11"/>
   </p:sldLayoutIdLst>
+  <p:transition spd="med">
+    <p:push dir="u"/>
+  </p:transition>
   <p:txStyles>
     <p:titleStyle>
       <a:lvl1pPr algn="l" defTabSz="914400" rtl="0" eaLnBrk="1" latinLnBrk="0" hangingPunct="1">
@@ -20680,6 +20717,9 @@
   <p:clrMapOvr>
     <a:masterClrMapping/>
   </p:clrMapOvr>
+  <p:transition spd="med">
+    <p:push dir="u"/>
+  </p:transition>
 </p:sld>
 </file>
 
@@ -20767,6 +20807,9 @@
   <p:clrMapOvr>
     <a:masterClrMapping/>
   </p:clrMapOvr>
+  <p:transition spd="med">
+    <p:push dir="u"/>
+  </p:transition>
 </p:sld>
 </file>
 
@@ -20922,6 +20965,9 @@
   <p:clrMapOvr>
     <a:masterClrMapping/>
   </p:clrMapOvr>
+  <p:transition spd="med">
+    <p:push dir="u"/>
+  </p:transition>
 </p:sld>
 </file>
 
@@ -21295,6 +21341,9 @@
   <p:clrMapOvr>
     <a:masterClrMapping/>
   </p:clrMapOvr>
+  <p:transition spd="med">
+    <p:push dir="u"/>
+  </p:transition>
 </p:sld>
 </file>
 
@@ -21412,6 +21461,71 @@
   <p:clrMapOvr>
     <a:masterClrMapping/>
   </p:clrMapOvr>
+  <p:transition spd="med">
+    <p:push dir="u"/>
+  </p:transition>
+</p:sld>
+</file>
+
+<file path=ppt/slides/slide14.xml><?xml version="1.0" encoding="utf-8"?>
+<p:sld xmlns:a="http://schemas.openxmlformats.org/drawingml/2006/main" xmlns:r="http://schemas.openxmlformats.org/officeDocument/2006/relationships" xmlns:p="http://schemas.openxmlformats.org/presentationml/2006/main">
+  <p:cSld>
+    <p:spTree>
+      <p:nvGrpSpPr>
+        <p:cNvPr id="1" name=""/>
+        <p:cNvGrpSpPr/>
+        <p:nvPr/>
+      </p:nvGrpSpPr>
+      <p:grpSpPr>
+        <a:xfrm>
+          <a:off x="0" y="0"/>
+          <a:ext cx="0" cy="0"/>
+          <a:chOff x="0" y="0"/>
+          <a:chExt cx="0" cy="0"/>
+        </a:xfrm>
+      </p:grpSpPr>
+      <p:sp>
+        <p:nvSpPr>
+          <p:cNvPr id="4" name="Title 3">
+            <a:extLst>
+              <a:ext uri="{FF2B5EF4-FFF2-40B4-BE49-F238E27FC236}">
+                <a16:creationId xmlns:a16="http://schemas.microsoft.com/office/drawing/2014/main" id="{0BD897F4-8BEA-2064-0FE3-46852CA6E25D}"/>
+              </a:ext>
+            </a:extLst>
+          </p:cNvPr>
+          <p:cNvSpPr>
+            <a:spLocks noGrp="1"/>
+          </p:cNvSpPr>
+          <p:nvPr>
+            <p:ph type="title"/>
+          </p:nvPr>
+        </p:nvSpPr>
+        <p:spPr/>
+        <p:txBody>
+          <a:bodyPr/>
+          <a:lstStyle/>
+          <a:p>
+            <a:pPr algn="ctr"/>
+            <a:r>
+              <a:rPr lang="en-IN" dirty="0"/>
+              <a:t>THANK YOU!</a:t>
+            </a:r>
+          </a:p>
+        </p:txBody>
+      </p:sp>
+    </p:spTree>
+    <p:extLst>
+      <p:ext uri="{BB962C8B-B14F-4D97-AF65-F5344CB8AC3E}">
+        <p14:creationId xmlns:p14="http://schemas.microsoft.com/office/powerpoint/2010/main" val="320602791"/>
+      </p:ext>
+    </p:extLst>
+  </p:cSld>
+  <p:clrMapOvr>
+    <a:masterClrMapping/>
+  </p:clrMapOvr>
+  <p:transition spd="med">
+    <p:push dir="u"/>
+  </p:transition>
 </p:sld>
 </file>
 
@@ -21518,7 +21632,15 @@
           <a:p>
             <a:r>
               <a:rPr lang="en-IN" dirty="0"/>
-              <a:t>Entire AT&amp;T network went down for 9 hours in 1990 due to a software bug. </a:t>
+              <a:t>Entire AT&amp;T (</a:t>
+            </a:r>
+            <a:r>
+              <a:rPr lang="en-GB" dirty="0"/>
+              <a:t>American Telephone and Telegraph Company</a:t>
+            </a:r>
+            <a:r>
+              <a:rPr lang="en-IN" dirty="0"/>
+              <a:t>) network went down for 9 hours in 1990 due to a software bug. </a:t>
             </a:r>
           </a:p>
           <a:p>
@@ -21599,6 +21721,9 @@
   <p:clrMapOvr>
     <a:masterClrMapping/>
   </p:clrMapOvr>
+  <p:transition spd="med">
+    <p:push dir="u"/>
+  </p:transition>
 </p:sld>
 </file>
 
@@ -21704,7 +21829,7 @@
         </p:blipFill>
         <p:spPr>
           <a:xfrm>
-            <a:off x="9089204" y="4051396"/>
+            <a:off x="7957465" y="3956858"/>
             <a:ext cx="2607585" cy="2607585"/>
           </a:xfrm>
           <a:prstGeom prst="ellipse">
@@ -21763,7 +21888,7 @@
         </p:blipFill>
         <p:spPr>
           <a:xfrm>
-            <a:off x="4096154" y="3862321"/>
+            <a:off x="2634744" y="3862320"/>
             <a:ext cx="3712106" cy="2796660"/>
           </a:xfrm>
           <a:prstGeom prst="rect">
@@ -21781,6 +21906,9 @@
   <p:clrMapOvr>
     <a:masterClrMapping/>
   </p:clrMapOvr>
+  <p:transition spd="med">
+    <p:push dir="u"/>
+  </p:transition>
 </p:sld>
 </file>
 
@@ -21801,47 +21929,6 @@
           <a:chExt cx="0" cy="0"/>
         </a:xfrm>
       </p:grpSpPr>
-      <p:pic>
-        <p:nvPicPr>
-          <p:cNvPr id="7" name="Picture 6">
-            <a:extLst>
-              <a:ext uri="{FF2B5EF4-FFF2-40B4-BE49-F238E27FC236}">
-                <a16:creationId xmlns:a16="http://schemas.microsoft.com/office/drawing/2014/main" id="{EDFB7FBF-8300-C9DF-F0EE-99023C85C4BA}"/>
-              </a:ext>
-            </a:extLst>
-          </p:cNvPr>
-          <p:cNvPicPr>
-            <a:picLocks noChangeAspect="1"/>
-          </p:cNvPicPr>
-          <p:nvPr/>
-        </p:nvPicPr>
-        <p:blipFill rotWithShape="1">
-          <a:blip r:embed="rId2">
-            <a:extLst>
-              <a:ext uri="{28A0092B-C50C-407E-A947-70E740481C1C}">
-                <a14:useLocalDpi xmlns:a14="http://schemas.microsoft.com/office/drawing/2010/main" val="0"/>
-              </a:ext>
-            </a:extLst>
-          </a:blip>
-          <a:srcRect l="-787" t="1" r="23073" b="15796"/>
-          <a:stretch/>
-        </p:blipFill>
-        <p:spPr>
-          <a:xfrm>
-            <a:off x="7844117" y="4208032"/>
-            <a:ext cx="4347883" cy="2649968"/>
-          </a:xfrm>
-          <a:prstGeom prst="rect">
-            <a:avLst/>
-          </a:prstGeom>
-          <a:ln>
-            <a:noFill/>
-          </a:ln>
-          <a:effectLst>
-            <a:softEdge rad="112500"/>
-          </a:effectLst>
-        </p:spPr>
-      </p:pic>
       <p:sp>
         <p:nvSpPr>
           <p:cNvPr id="2" name="Title 1">
@@ -21888,15 +21975,19 @@
         </p:nvSpPr>
         <p:spPr>
           <a:xfrm>
-            <a:off x="1024128" y="2286000"/>
-            <a:ext cx="10540343" cy="2205318"/>
+            <a:off x="746223" y="2071923"/>
+            <a:ext cx="7124790" cy="4513192"/>
           </a:xfrm>
         </p:spPr>
         <p:txBody>
-          <a:bodyPr/>
+          <a:bodyPr>
+            <a:normAutofit lnSpcReduction="10000"/>
+          </a:bodyPr>
           <a:lstStyle/>
           <a:p>
-            <a:pPr algn="just" fontAlgn="base"/>
+            <a:pPr marL="0" indent="0" algn="just" fontAlgn="base">
+              <a:buNone/>
+            </a:pPr>
             <a:r>
               <a:rPr lang="en-GB" dirty="0">
                 <a:effectLst/>
@@ -21908,8 +21999,11 @@
               <a:rPr lang="en-GB" dirty="0">
                 <a:latin typeface="inherit"/>
               </a:rPr>
-              <a:t>Traditionally, software testing was performed in a later phase of software development life cycle, usually just before the software was going to be published. But it turns out that it cost a lot more efforts, money and time to fix the software in later phases of S.D.L.C  as compared to the initial phases. Due to this, now a days, a practice called continuous testing is followed in which the testing starts just after the coding process starts. </a:t>
+              <a:t>Traditionally, software testing was performed in a later phase of software development life cycle, usually just before the software was going to be published. But it turns out that it cost a lot more efforts, money and time to fix the software in later phases of S.D.L.C  as compared to the initial phases. Due to this, now a days, a practice called continuous testing is followed in which the testing starts just after the coding process starts. Fixing a piece of code initially is easier. Fresh code is usually very flexible. But as we go on adding more and more code into the software, we might reuse a lot of code in various places which makes it difficult to fix the problems later on. Thus, it is always better to start the testing process as soon as we can.</a:t>
             </a:r>
+          </a:p>
+          <a:p>
+            <a:pPr algn="just" fontAlgn="base"/>
             <a:endParaRPr lang="en-GB" dirty="0">
               <a:effectLst/>
               <a:latin typeface="inherit"/>
@@ -21917,47 +22011,41 @@
           </a:p>
         </p:txBody>
       </p:sp>
-      <p:sp>
-        <p:nvSpPr>
-          <p:cNvPr id="8" name="TextBox 7">
+      <p:pic>
+        <p:nvPicPr>
+          <p:cNvPr id="5" name="Picture 4">
             <a:extLst>
               <a:ext uri="{FF2B5EF4-FFF2-40B4-BE49-F238E27FC236}">
-                <a16:creationId xmlns:a16="http://schemas.microsoft.com/office/drawing/2014/main" id="{F8A4E887-8E5A-9294-F1B4-C4996F0AE80D}"/>
+                <a16:creationId xmlns:a16="http://schemas.microsoft.com/office/drawing/2014/main" id="{86DA1CB2-0DB0-FDC4-9167-6964F92C5B03}"/>
               </a:ext>
             </a:extLst>
           </p:cNvPr>
-          <p:cNvSpPr txBox="1"/>
+          <p:cNvPicPr>
+            <a:picLocks noChangeAspect="1"/>
+          </p:cNvPicPr>
           <p:nvPr/>
-        </p:nvSpPr>
+        </p:nvPicPr>
+        <p:blipFill rotWithShape="1">
+          <a:blip r:embed="rId2">
+            <a:extLst>
+              <a:ext uri="{28A0092B-C50C-407E-A947-70E740481C1C}">
+                <a14:useLocalDpi xmlns:a14="http://schemas.microsoft.com/office/drawing/2010/main" val="0"/>
+              </a:ext>
+            </a:extLst>
+          </a:blip>
+          <a:srcRect r="22360" b="12459"/>
+          <a:stretch/>
+        </p:blipFill>
         <p:spPr>
           <a:xfrm>
-            <a:off x="1052189" y="4491318"/>
-            <a:ext cx="6558846" cy="2123658"/>
+            <a:off x="8203413" y="2759472"/>
+            <a:ext cx="3988588" cy="2529704"/>
           </a:xfrm>
           <a:prstGeom prst="rect">
             <a:avLst/>
           </a:prstGeom>
-          <a:noFill/>
         </p:spPr>
-        <p:txBody>
-          <a:bodyPr wrap="square" rtlCol="0">
-            <a:spAutoFit/>
-          </a:bodyPr>
-          <a:lstStyle/>
-          <a:p>
-            <a:pPr algn="just"/>
-            <a:r>
-              <a:rPr lang="en-GB" sz="2200" dirty="0">
-                <a:latin typeface="inherit"/>
-              </a:rPr>
-              <a:t>Fixing a piece of code initially is easier. Fresh code is usually very flexible. But as we go on adding more and more code into the software, we might reuse a lot of code in various places which makes it difficult to fix the problems later on. Thus, it is always better to start the testing process as soon as we can.</a:t>
-            </a:r>
-            <a:endParaRPr lang="en-IN" sz="2200" dirty="0">
-              <a:latin typeface="inherit"/>
-            </a:endParaRPr>
-          </a:p>
-        </p:txBody>
-      </p:sp>
+      </p:pic>
     </p:spTree>
     <p:extLst>
       <p:ext uri="{BB962C8B-B14F-4D97-AF65-F5344CB8AC3E}">
@@ -21968,6 +22056,9 @@
   <p:clrMapOvr>
     <a:masterClrMapping/>
   </p:clrMapOvr>
+  <p:transition spd="med">
+    <p:push dir="u"/>
+  </p:transition>
 </p:sld>
 </file>
 
@@ -22172,6 +22263,9 @@
   <p:clrMapOvr>
     <a:masterClrMapping/>
   </p:clrMapOvr>
+  <p:transition spd="med">
+    <p:push dir="u"/>
+  </p:transition>
 </p:sld>
 </file>
 
@@ -22406,6 +22500,9 @@
   <p:clrMapOvr>
     <a:masterClrMapping/>
   </p:clrMapOvr>
+  <p:transition spd="med">
+    <p:push dir="u"/>
+  </p:transition>
 </p:sld>
 </file>
 
@@ -22556,6 +22653,9 @@
   <p:clrMapOvr>
     <a:masterClrMapping/>
   </p:clrMapOvr>
+  <p:transition spd="med">
+    <p:push dir="u"/>
+  </p:transition>
 </p:sld>
 </file>
 
@@ -22764,6 +22864,9 @@
   <p:clrMapOvr>
     <a:masterClrMapping/>
   </p:clrMapOvr>
+  <p:transition spd="med">
+    <p:push dir="u"/>
+  </p:transition>
 </p:sld>
 </file>
 
@@ -22909,6 +23012,9 @@
   <p:clrMapOvr>
     <a:masterClrMapping/>
   </p:clrMapOvr>
+  <p:transition spd="med">
+    <p:push dir="u"/>
+  </p:transition>
 </p:sld>
 </file>
 
